--- a/fish_pictures/fishoutlines/fishoutlines.pptx
+++ b/fish_pictures/fishoutlines/fishoutlines.pptx
@@ -27,6 +27,10 @@
     <p:sldId id="276" r:id="rId21"/>
     <p:sldId id="277" r:id="rId22"/>
     <p:sldId id="278" r:id="rId23"/>
+    <p:sldId id="279" r:id="rId24"/>
+    <p:sldId id="280" r:id="rId25"/>
+    <p:sldId id="281" r:id="rId26"/>
+    <p:sldId id="282" r:id="rId27"/>
   </p:sldIdLst>
   <p:sldSz cx="12192000" cy="4895850"/>
   <p:notesSz cx="6858000" cy="9144000"/>
@@ -136,13 +140,154 @@
 <file path=ppt/revisionInfo.xml><?xml version="1.0" encoding="utf-8"?>
 <p1510:revInfo xmlns:a="http://schemas.openxmlformats.org/drawingml/2006/main" xmlns:r="http://schemas.openxmlformats.org/officeDocument/2006/relationships" xmlns:p1510="http://schemas.microsoft.com/office/powerpoint/2015/10/main">
   <p1510:revLst>
-    <p1510:client id="{60CB8D26-F4F0-4217-870A-C32AD8EF18E3}" v="1" dt="2024-12-18T12:45:39.378"/>
+    <p1510:client id="{3B2FCA81-7F5B-4156-80C9-B401C705F9A2}" v="13" dt="2025-01-15T13:42:03.571"/>
   </p1510:revLst>
 </p1510:revInfo>
 </file>
 
 <file path=ppt/changesInfos/changesInfo1.xml><?xml version="1.0" encoding="utf-8"?>
 <pc:chgInfo xmlns:a="http://schemas.openxmlformats.org/drawingml/2006/main" xmlns:r="http://schemas.openxmlformats.org/officeDocument/2006/relationships" xmlns:ac="http://schemas.microsoft.com/office/drawing/2013/main/command" xmlns:pc="http://schemas.microsoft.com/office/powerpoint/2013/main/command">
+  <pc:docChgLst>
+    <pc:chgData name="Guillermo Prieto Porriños" userId="45dcb46a42df1333" providerId="LiveId" clId="{3B2FCA81-7F5B-4156-80C9-B401C705F9A2}"/>
+    <pc:docChg chg="custSel addSld modSld">
+      <pc:chgData name="Guillermo Prieto Porriños" userId="45dcb46a42df1333" providerId="LiveId" clId="{3B2FCA81-7F5B-4156-80C9-B401C705F9A2}" dt="2025-01-15T13:42:32.760" v="32" actId="14100"/>
+      <pc:docMkLst>
+        <pc:docMk/>
+      </pc:docMkLst>
+      <pc:sldChg chg="addSp delSp modSp new mod">
+        <pc:chgData name="Guillermo Prieto Porriños" userId="45dcb46a42df1333" providerId="LiveId" clId="{3B2FCA81-7F5B-4156-80C9-B401C705F9A2}" dt="2025-01-15T13:28:09.111" v="6" actId="14100"/>
+        <pc:sldMkLst>
+          <pc:docMk/>
+          <pc:sldMk cId="646174357" sldId="279"/>
+        </pc:sldMkLst>
+        <pc:spChg chg="del">
+          <ac:chgData name="Guillermo Prieto Porriños" userId="45dcb46a42df1333" providerId="LiveId" clId="{3B2FCA81-7F5B-4156-80C9-B401C705F9A2}" dt="2025-01-15T13:27:59.413" v="1" actId="478"/>
+          <ac:spMkLst>
+            <pc:docMk/>
+            <pc:sldMk cId="646174357" sldId="279"/>
+            <ac:spMk id="2" creationId="{F235ECCD-6640-C62B-1A88-EA70CE9C74EA}"/>
+          </ac:spMkLst>
+        </pc:spChg>
+        <pc:spChg chg="del">
+          <ac:chgData name="Guillermo Prieto Porriños" userId="45dcb46a42df1333" providerId="LiveId" clId="{3B2FCA81-7F5B-4156-80C9-B401C705F9A2}" dt="2025-01-15T13:27:59.413" v="1" actId="478"/>
+          <ac:spMkLst>
+            <pc:docMk/>
+            <pc:sldMk cId="646174357" sldId="279"/>
+            <ac:spMk id="3" creationId="{5B1D8264-89B5-CA59-9B3A-8483F9CA7105}"/>
+          </ac:spMkLst>
+        </pc:spChg>
+        <pc:picChg chg="add mod">
+          <ac:chgData name="Guillermo Prieto Porriños" userId="45dcb46a42df1333" providerId="LiveId" clId="{3B2FCA81-7F5B-4156-80C9-B401C705F9A2}" dt="2025-01-15T13:28:09.111" v="6" actId="14100"/>
+          <ac:picMkLst>
+            <pc:docMk/>
+            <pc:sldMk cId="646174357" sldId="279"/>
+            <ac:picMk id="5" creationId="{F6F51854-D971-977C-F998-20B3DDDB7183}"/>
+          </ac:picMkLst>
+        </pc:picChg>
+      </pc:sldChg>
+      <pc:sldChg chg="addSp delSp modSp new mod">
+        <pc:chgData name="Guillermo Prieto Porriños" userId="45dcb46a42df1333" providerId="LiveId" clId="{3B2FCA81-7F5B-4156-80C9-B401C705F9A2}" dt="2025-01-15T13:37:08.265" v="17" actId="21"/>
+        <pc:sldMkLst>
+          <pc:docMk/>
+          <pc:sldMk cId="1920991418" sldId="280"/>
+        </pc:sldMkLst>
+        <pc:spChg chg="del">
+          <ac:chgData name="Guillermo Prieto Porriños" userId="45dcb46a42df1333" providerId="LiveId" clId="{3B2FCA81-7F5B-4156-80C9-B401C705F9A2}" dt="2025-01-15T13:28:32.194" v="8" actId="478"/>
+          <ac:spMkLst>
+            <pc:docMk/>
+            <pc:sldMk cId="1920991418" sldId="280"/>
+            <ac:spMk id="2" creationId="{EFB65F5D-62B0-D314-D78B-62ACDFE602B0}"/>
+          </ac:spMkLst>
+        </pc:spChg>
+        <pc:spChg chg="del">
+          <ac:chgData name="Guillermo Prieto Porriños" userId="45dcb46a42df1333" providerId="LiveId" clId="{3B2FCA81-7F5B-4156-80C9-B401C705F9A2}" dt="2025-01-15T13:28:32.194" v="8" actId="478"/>
+          <ac:spMkLst>
+            <pc:docMk/>
+            <pc:sldMk cId="1920991418" sldId="280"/>
+            <ac:spMk id="3" creationId="{775F5BE5-7E5D-11A4-6547-A133A98985A5}"/>
+          </ac:spMkLst>
+        </pc:spChg>
+        <pc:picChg chg="add mod">
+          <ac:chgData name="Guillermo Prieto Porriños" userId="45dcb46a42df1333" providerId="LiveId" clId="{3B2FCA81-7F5B-4156-80C9-B401C705F9A2}" dt="2025-01-15T13:34:50.897" v="13" actId="1367"/>
+          <ac:picMkLst>
+            <pc:docMk/>
+            <pc:sldMk cId="1920991418" sldId="280"/>
+            <ac:picMk id="5" creationId="{D2F072EA-A687-7935-00CA-3385960AC0D9}"/>
+          </ac:picMkLst>
+        </pc:picChg>
+        <pc:picChg chg="add del mod">
+          <ac:chgData name="Guillermo Prieto Porriños" userId="45dcb46a42df1333" providerId="LiveId" clId="{3B2FCA81-7F5B-4156-80C9-B401C705F9A2}" dt="2025-01-15T13:37:08.265" v="17" actId="21"/>
+          <ac:picMkLst>
+            <pc:docMk/>
+            <pc:sldMk cId="1920991418" sldId="280"/>
+            <ac:picMk id="7" creationId="{A4763EE4-2D83-AC41-DB7C-ECE79F7AEEFC}"/>
+          </ac:picMkLst>
+        </pc:picChg>
+      </pc:sldChg>
+      <pc:sldChg chg="addSp delSp modSp new mod">
+        <pc:chgData name="Guillermo Prieto Porriños" userId="45dcb46a42df1333" providerId="LiveId" clId="{3B2FCA81-7F5B-4156-80C9-B401C705F9A2}" dt="2025-01-15T13:37:31.960" v="24"/>
+        <pc:sldMkLst>
+          <pc:docMk/>
+          <pc:sldMk cId="435954652" sldId="281"/>
+        </pc:sldMkLst>
+        <pc:spChg chg="del">
+          <ac:chgData name="Guillermo Prieto Porriños" userId="45dcb46a42df1333" providerId="LiveId" clId="{3B2FCA81-7F5B-4156-80C9-B401C705F9A2}" dt="2025-01-15T13:37:12.656" v="19" actId="478"/>
+          <ac:spMkLst>
+            <pc:docMk/>
+            <pc:sldMk cId="435954652" sldId="281"/>
+            <ac:spMk id="2" creationId="{E48EED9A-F080-1CBA-942B-58ED18FAAC65}"/>
+          </ac:spMkLst>
+        </pc:spChg>
+        <pc:spChg chg="del">
+          <ac:chgData name="Guillermo Prieto Porriños" userId="45dcb46a42df1333" providerId="LiveId" clId="{3B2FCA81-7F5B-4156-80C9-B401C705F9A2}" dt="2025-01-15T13:37:12.656" v="19" actId="478"/>
+          <ac:spMkLst>
+            <pc:docMk/>
+            <pc:sldMk cId="435954652" sldId="281"/>
+            <ac:spMk id="3" creationId="{FC4E9DC8-AA24-CD40-8157-CAC53B04ACC7}"/>
+          </ac:spMkLst>
+        </pc:spChg>
+        <pc:picChg chg="add mod">
+          <ac:chgData name="Guillermo Prieto Porriños" userId="45dcb46a42df1333" providerId="LiveId" clId="{3B2FCA81-7F5B-4156-80C9-B401C705F9A2}" dt="2025-01-15T13:37:31.960" v="24"/>
+          <ac:picMkLst>
+            <pc:docMk/>
+            <pc:sldMk cId="435954652" sldId="281"/>
+            <ac:picMk id="7" creationId="{A4763EE4-2D83-AC41-DB7C-ECE79F7AEEFC}"/>
+          </ac:picMkLst>
+        </pc:picChg>
+      </pc:sldChg>
+      <pc:sldChg chg="addSp delSp modSp new mod">
+        <pc:chgData name="Guillermo Prieto Porriños" userId="45dcb46a42df1333" providerId="LiveId" clId="{3B2FCA81-7F5B-4156-80C9-B401C705F9A2}" dt="2025-01-15T13:42:32.760" v="32" actId="14100"/>
+        <pc:sldMkLst>
+          <pc:docMk/>
+          <pc:sldMk cId="3676634563" sldId="282"/>
+        </pc:sldMkLst>
+        <pc:spChg chg="del">
+          <ac:chgData name="Guillermo Prieto Porriños" userId="45dcb46a42df1333" providerId="LiveId" clId="{3B2FCA81-7F5B-4156-80C9-B401C705F9A2}" dt="2025-01-15T13:41:52.450" v="26" actId="478"/>
+          <ac:spMkLst>
+            <pc:docMk/>
+            <pc:sldMk cId="3676634563" sldId="282"/>
+            <ac:spMk id="2" creationId="{4964C45C-BEA7-2C9A-A78B-2F98EE783344}"/>
+          </ac:spMkLst>
+        </pc:spChg>
+        <pc:spChg chg="del">
+          <ac:chgData name="Guillermo Prieto Porriños" userId="45dcb46a42df1333" providerId="LiveId" clId="{3B2FCA81-7F5B-4156-80C9-B401C705F9A2}" dt="2025-01-15T13:41:52.450" v="26" actId="478"/>
+          <ac:spMkLst>
+            <pc:docMk/>
+            <pc:sldMk cId="3676634563" sldId="282"/>
+            <ac:spMk id="3" creationId="{1EBF64B8-102E-39AB-8692-677941E83F9A}"/>
+          </ac:spMkLst>
+        </pc:spChg>
+        <pc:picChg chg="add mod">
+          <ac:chgData name="Guillermo Prieto Porriños" userId="45dcb46a42df1333" providerId="LiveId" clId="{3B2FCA81-7F5B-4156-80C9-B401C705F9A2}" dt="2025-01-15T13:42:32.760" v="32" actId="14100"/>
+          <ac:picMkLst>
+            <pc:docMk/>
+            <pc:sldMk cId="3676634563" sldId="282"/>
+            <ac:picMk id="5" creationId="{241E0203-8205-E18F-333C-F35A1CD33F1B}"/>
+          </ac:picMkLst>
+        </pc:picChg>
+      </pc:sldChg>
+    </pc:docChg>
+  </pc:docChgLst>
   <pc:docChgLst>
     <pc:chgData name="Guillermo Prieto Porriños" userId="45dcb46a42df1333" providerId="LiveId" clId="{60CB8D26-F4F0-4217-870A-C32AD8EF18E3}"/>
     <pc:docChg chg="custSel addSld modSld">
@@ -171,22 +316,6 @@
           <pc:docMk/>
           <pc:sldMk cId="3985873484" sldId="278"/>
         </pc:sldMkLst>
-        <pc:spChg chg="del">
-          <ac:chgData name="Guillermo Prieto Porriños" userId="45dcb46a42df1333" providerId="LiveId" clId="{60CB8D26-F4F0-4217-870A-C32AD8EF18E3}" dt="2024-12-18T12:45:19.886" v="4" actId="478"/>
-          <ac:spMkLst>
-            <pc:docMk/>
-            <pc:sldMk cId="3985873484" sldId="278"/>
-            <ac:spMk id="2" creationId="{F936D129-B48E-655D-A4F0-4DB3E965676D}"/>
-          </ac:spMkLst>
-        </pc:spChg>
-        <pc:spChg chg="del">
-          <ac:chgData name="Guillermo Prieto Porriños" userId="45dcb46a42df1333" providerId="LiveId" clId="{60CB8D26-F4F0-4217-870A-C32AD8EF18E3}" dt="2024-12-18T12:45:19.886" v="4" actId="478"/>
-          <ac:spMkLst>
-            <pc:docMk/>
-            <pc:sldMk cId="3985873484" sldId="278"/>
-            <ac:spMk id="3" creationId="{B95965BB-BDF3-D328-2FBF-F273BF106912}"/>
-          </ac:spMkLst>
-        </pc:spChg>
         <pc:picChg chg="add mod">
           <ac:chgData name="Guillermo Prieto Porriños" userId="45dcb46a42df1333" providerId="LiveId" clId="{60CB8D26-F4F0-4217-870A-C32AD8EF18E3}" dt="2024-12-18T12:45:44.537" v="9" actId="14100"/>
           <ac:picMkLst>
@@ -332,7 +461,7 @@
           <a:p>
             <a:fld id="{0472C0F5-975D-4CAC-BB82-ADCA3021A599}" type="datetimeFigureOut">
               <a:rPr lang="en-GB" smtClean="0"/>
-              <a:t>18/12/2024</a:t>
+              <a:t>15/01/2025</a:t>
             </a:fld>
             <a:endParaRPr lang="en-GB"/>
           </a:p>
@@ -502,7 +631,7 @@
           <a:p>
             <a:fld id="{0472C0F5-975D-4CAC-BB82-ADCA3021A599}" type="datetimeFigureOut">
               <a:rPr lang="en-GB" smtClean="0"/>
-              <a:t>18/12/2024</a:t>
+              <a:t>15/01/2025</a:t>
             </a:fld>
             <a:endParaRPr lang="en-GB"/>
           </a:p>
@@ -682,7 +811,7 @@
           <a:p>
             <a:fld id="{0472C0F5-975D-4CAC-BB82-ADCA3021A599}" type="datetimeFigureOut">
               <a:rPr lang="en-GB" smtClean="0"/>
-              <a:t>18/12/2024</a:t>
+              <a:t>15/01/2025</a:t>
             </a:fld>
             <a:endParaRPr lang="en-GB"/>
           </a:p>
@@ -852,7 +981,7 @@
           <a:p>
             <a:fld id="{0472C0F5-975D-4CAC-BB82-ADCA3021A599}" type="datetimeFigureOut">
               <a:rPr lang="en-GB" smtClean="0"/>
-              <a:t>18/12/2024</a:t>
+              <a:t>15/01/2025</a:t>
             </a:fld>
             <a:endParaRPr lang="en-GB"/>
           </a:p>
@@ -1098,7 +1227,7 @@
           <a:p>
             <a:fld id="{0472C0F5-975D-4CAC-BB82-ADCA3021A599}" type="datetimeFigureOut">
               <a:rPr lang="en-GB" smtClean="0"/>
-              <a:t>18/12/2024</a:t>
+              <a:t>15/01/2025</a:t>
             </a:fld>
             <a:endParaRPr lang="en-GB"/>
           </a:p>
@@ -1330,7 +1459,7 @@
           <a:p>
             <a:fld id="{0472C0F5-975D-4CAC-BB82-ADCA3021A599}" type="datetimeFigureOut">
               <a:rPr lang="en-GB" smtClean="0"/>
-              <a:t>18/12/2024</a:t>
+              <a:t>15/01/2025</a:t>
             </a:fld>
             <a:endParaRPr lang="en-GB"/>
           </a:p>
@@ -1697,7 +1826,7 @@
           <a:p>
             <a:fld id="{0472C0F5-975D-4CAC-BB82-ADCA3021A599}" type="datetimeFigureOut">
               <a:rPr lang="en-GB" smtClean="0"/>
-              <a:t>18/12/2024</a:t>
+              <a:t>15/01/2025</a:t>
             </a:fld>
             <a:endParaRPr lang="en-GB"/>
           </a:p>
@@ -1815,7 +1944,7 @@
           <a:p>
             <a:fld id="{0472C0F5-975D-4CAC-BB82-ADCA3021A599}" type="datetimeFigureOut">
               <a:rPr lang="en-GB" smtClean="0"/>
-              <a:t>18/12/2024</a:t>
+              <a:t>15/01/2025</a:t>
             </a:fld>
             <a:endParaRPr lang="en-GB"/>
           </a:p>
@@ -1910,7 +2039,7 @@
           <a:p>
             <a:fld id="{0472C0F5-975D-4CAC-BB82-ADCA3021A599}" type="datetimeFigureOut">
               <a:rPr lang="en-GB" smtClean="0"/>
-              <a:t>18/12/2024</a:t>
+              <a:t>15/01/2025</a:t>
             </a:fld>
             <a:endParaRPr lang="en-GB"/>
           </a:p>
@@ -2187,7 +2316,7 @@
           <a:p>
             <a:fld id="{0472C0F5-975D-4CAC-BB82-ADCA3021A599}" type="datetimeFigureOut">
               <a:rPr lang="en-GB" smtClean="0"/>
-              <a:t>18/12/2024</a:t>
+              <a:t>15/01/2025</a:t>
             </a:fld>
             <a:endParaRPr lang="en-GB"/>
           </a:p>
@@ -2444,7 +2573,7 @@
           <a:p>
             <a:fld id="{0472C0F5-975D-4CAC-BB82-ADCA3021A599}" type="datetimeFigureOut">
               <a:rPr lang="en-GB" smtClean="0"/>
-              <a:t>18/12/2024</a:t>
+              <a:t>15/01/2025</a:t>
             </a:fld>
             <a:endParaRPr lang="en-GB"/>
           </a:p>
@@ -2657,7 +2786,7 @@
           <a:p>
             <a:fld id="{0472C0F5-975D-4CAC-BB82-ADCA3021A599}" type="datetimeFigureOut">
               <a:rPr lang="en-GB" smtClean="0"/>
-              <a:t>18/12/2024</a:t>
+              <a:t>15/01/2025</a:t>
             </a:fld>
             <a:endParaRPr lang="en-GB"/>
           </a:p>
@@ -3995,6 +4124,306 @@
 </p:sld>
 </file>
 
+<file path=ppt/slides/slide23.xml><?xml version="1.0" encoding="utf-8"?>
+<p:sld xmlns:a="http://schemas.openxmlformats.org/drawingml/2006/main" xmlns:r="http://schemas.openxmlformats.org/officeDocument/2006/relationships" xmlns:p="http://schemas.openxmlformats.org/presentationml/2006/main">
+  <p:cSld>
+    <p:spTree>
+      <p:nvGrpSpPr>
+        <p:cNvPr id="1" name=""/>
+        <p:cNvGrpSpPr/>
+        <p:nvPr/>
+      </p:nvGrpSpPr>
+      <p:grpSpPr>
+        <a:xfrm>
+          <a:off x="0" y="0"/>
+          <a:ext cx="0" cy="0"/>
+          <a:chOff x="0" y="0"/>
+          <a:chExt cx="0" cy="0"/>
+        </a:xfrm>
+      </p:grpSpPr>
+      <p:pic>
+        <p:nvPicPr>
+          <p:cNvPr id="5" name="Picture 4" descr="A black background with a black square&#10;&#10;Description automatically generated with medium confidence">
+            <a:extLst>
+              <a:ext uri="{FF2B5EF4-FFF2-40B4-BE49-F238E27FC236}">
+                <a16:creationId xmlns:a16="http://schemas.microsoft.com/office/drawing/2014/main" id="{F6F51854-D971-977C-F998-20B3DDDB7183}"/>
+              </a:ext>
+            </a:extLst>
+          </p:cNvPr>
+          <p:cNvPicPr>
+            <a:picLocks noChangeAspect="1"/>
+          </p:cNvPicPr>
+          <p:nvPr/>
+        </p:nvPicPr>
+        <p:blipFill>
+          <a:blip r:embed="rId2">
+            <a:extLst>
+              <a:ext uri="{28A0092B-C50C-407E-A947-70E740481C1C}">
+                <a14:useLocalDpi xmlns:a14="http://schemas.microsoft.com/office/drawing/2010/main" val="0"/>
+              </a:ext>
+            </a:extLst>
+          </a:blip>
+          <a:stretch>
+            <a:fillRect/>
+          </a:stretch>
+        </p:blipFill>
+        <p:spPr>
+          <a:xfrm flipH="1">
+            <a:off x="2680676" y="1064999"/>
+            <a:ext cx="6830646" cy="2765852"/>
+          </a:xfrm>
+          <a:prstGeom prst="rect">
+            <a:avLst/>
+          </a:prstGeom>
+        </p:spPr>
+      </p:pic>
+    </p:spTree>
+    <p:extLst>
+      <p:ext uri="{BB962C8B-B14F-4D97-AF65-F5344CB8AC3E}">
+        <p14:creationId xmlns:p14="http://schemas.microsoft.com/office/powerpoint/2010/main" val="646174357"/>
+      </p:ext>
+    </p:extLst>
+  </p:cSld>
+  <p:clrMapOvr>
+    <a:masterClrMapping/>
+  </p:clrMapOvr>
+</p:sld>
+</file>
+
+<file path=ppt/slides/slide24.xml><?xml version="1.0" encoding="utf-8"?>
+<p:sld xmlns:a="http://schemas.openxmlformats.org/drawingml/2006/main" xmlns:r="http://schemas.openxmlformats.org/officeDocument/2006/relationships" xmlns:p="http://schemas.openxmlformats.org/presentationml/2006/main">
+  <p:cSld>
+    <p:spTree>
+      <p:nvGrpSpPr>
+        <p:cNvPr id="1" name=""/>
+        <p:cNvGrpSpPr/>
+        <p:nvPr/>
+      </p:nvGrpSpPr>
+      <p:grpSpPr>
+        <a:xfrm>
+          <a:off x="0" y="0"/>
+          <a:ext cx="0" cy="0"/>
+          <a:chOff x="0" y="0"/>
+          <a:chExt cx="0" cy="0"/>
+        </a:xfrm>
+      </p:grpSpPr>
+      <p:pic>
+        <p:nvPicPr>
+          <p:cNvPr id="5" name="Picture 4" descr="A fish with spikes on it&#10;&#10;Description automatically generated">
+            <a:extLst>
+              <a:ext uri="{FF2B5EF4-FFF2-40B4-BE49-F238E27FC236}">
+                <a16:creationId xmlns:a16="http://schemas.microsoft.com/office/drawing/2014/main" id="{D2F072EA-A687-7935-00CA-3385960AC0D9}"/>
+              </a:ext>
+            </a:extLst>
+          </p:cNvPr>
+          <p:cNvPicPr>
+            <a:picLocks noChangeAspect="1"/>
+          </p:cNvPicPr>
+          <p:nvPr/>
+        </p:nvPicPr>
+        <p:blipFill>
+          <a:blip r:embed="rId2">
+            <a:biLevel thresh="75000"/>
+            <a:extLst>
+              <a:ext uri="{BEBA8EAE-BF5A-486C-A8C5-ECC9F3942E4B}">
+                <a14:imgProps xmlns:a14="http://schemas.microsoft.com/office/drawing/2010/main">
+                  <a14:imgLayer r:embed="rId3">
+                    <a14:imgEffect>
+                      <a14:brightnessContrast bright="-40000" contrast="40000"/>
+                    </a14:imgEffect>
+                  </a14:imgLayer>
+                </a14:imgProps>
+              </a:ext>
+              <a:ext uri="{28A0092B-C50C-407E-A947-70E740481C1C}">
+                <a14:useLocalDpi xmlns:a14="http://schemas.microsoft.com/office/drawing/2010/main" val="0"/>
+              </a:ext>
+            </a:extLst>
+          </a:blip>
+          <a:stretch>
+            <a:fillRect/>
+          </a:stretch>
+        </p:blipFill>
+        <p:spPr>
+          <a:xfrm>
+            <a:off x="2179320" y="0"/>
+            <a:ext cx="7833360" cy="4895850"/>
+          </a:xfrm>
+          <a:prstGeom prst="rect">
+            <a:avLst/>
+          </a:prstGeom>
+        </p:spPr>
+      </p:pic>
+    </p:spTree>
+    <p:extLst>
+      <p:ext uri="{BB962C8B-B14F-4D97-AF65-F5344CB8AC3E}">
+        <p14:creationId xmlns:p14="http://schemas.microsoft.com/office/powerpoint/2010/main" val="1920991418"/>
+      </p:ext>
+    </p:extLst>
+  </p:cSld>
+  <p:clrMapOvr>
+    <a:masterClrMapping/>
+  </p:clrMapOvr>
+</p:sld>
+</file>
+
+<file path=ppt/slides/slide25.xml><?xml version="1.0" encoding="utf-8"?>
+<p:sld xmlns:a="http://schemas.openxmlformats.org/drawingml/2006/main" xmlns:r="http://schemas.openxmlformats.org/officeDocument/2006/relationships" xmlns:p="http://schemas.openxmlformats.org/presentationml/2006/main">
+  <p:cSld>
+    <p:spTree>
+      <p:nvGrpSpPr>
+        <p:cNvPr id="1" name=""/>
+        <p:cNvGrpSpPr/>
+        <p:nvPr/>
+      </p:nvGrpSpPr>
+      <p:grpSpPr>
+        <a:xfrm>
+          <a:off x="0" y="0"/>
+          <a:ext cx="0" cy="0"/>
+          <a:chOff x="0" y="0"/>
+          <a:chExt cx="0" cy="0"/>
+        </a:xfrm>
+      </p:grpSpPr>
+      <p:pic>
+        <p:nvPicPr>
+          <p:cNvPr id="7" name="Picture 6" descr="A close-up of a fish&#10;&#10;Description automatically generated">
+            <a:extLst>
+              <a:ext uri="{FF2B5EF4-FFF2-40B4-BE49-F238E27FC236}">
+                <a16:creationId xmlns:a16="http://schemas.microsoft.com/office/drawing/2014/main" id="{A4763EE4-2D83-AC41-DB7C-ECE79F7AEEFC}"/>
+              </a:ext>
+            </a:extLst>
+          </p:cNvPr>
+          <p:cNvPicPr>
+            <a:picLocks noChangeAspect="1"/>
+          </p:cNvPicPr>
+          <p:nvPr/>
+        </p:nvPicPr>
+        <p:blipFill>
+          <a:blip r:embed="rId2">
+            <a:biLevel thresh="75000"/>
+            <a:extLst>
+              <a:ext uri="{BEBA8EAE-BF5A-486C-A8C5-ECC9F3942E4B}">
+                <a14:imgProps xmlns:a14="http://schemas.microsoft.com/office/drawing/2010/main">
+                  <a14:imgLayer r:embed="rId3">
+                    <a14:imgEffect>
+                      <a14:colorTemperature colorTemp="11200"/>
+                    </a14:imgEffect>
+                    <a14:imgEffect>
+                      <a14:saturation sat="400000"/>
+                    </a14:imgEffect>
+                    <a14:imgEffect>
+                      <a14:brightnessContrast bright="-40000" contrast="40000"/>
+                    </a14:imgEffect>
+                  </a14:imgLayer>
+                </a14:imgProps>
+              </a:ext>
+              <a:ext uri="{28A0092B-C50C-407E-A947-70E740481C1C}">
+                <a14:useLocalDpi xmlns:a14="http://schemas.microsoft.com/office/drawing/2010/main" val="0"/>
+              </a:ext>
+            </a:extLst>
+          </a:blip>
+          <a:stretch>
+            <a:fillRect/>
+          </a:stretch>
+        </p:blipFill>
+        <p:spPr>
+          <a:xfrm>
+            <a:off x="2292825" y="181258"/>
+            <a:ext cx="7606349" cy="4533333"/>
+          </a:xfrm>
+          <a:prstGeom prst="rect">
+            <a:avLst/>
+          </a:prstGeom>
+        </p:spPr>
+      </p:pic>
+    </p:spTree>
+    <p:extLst>
+      <p:ext uri="{BB962C8B-B14F-4D97-AF65-F5344CB8AC3E}">
+        <p14:creationId xmlns:p14="http://schemas.microsoft.com/office/powerpoint/2010/main" val="435954652"/>
+      </p:ext>
+    </p:extLst>
+  </p:cSld>
+  <p:clrMapOvr>
+    <a:masterClrMapping/>
+  </p:clrMapOvr>
+</p:sld>
+</file>
+
+<file path=ppt/slides/slide26.xml><?xml version="1.0" encoding="utf-8"?>
+<p:sld xmlns:a="http://schemas.openxmlformats.org/drawingml/2006/main" xmlns:r="http://schemas.openxmlformats.org/officeDocument/2006/relationships" xmlns:p="http://schemas.openxmlformats.org/presentationml/2006/main">
+  <p:cSld>
+    <p:spTree>
+      <p:nvGrpSpPr>
+        <p:cNvPr id="1" name=""/>
+        <p:cNvGrpSpPr/>
+        <p:nvPr/>
+      </p:nvGrpSpPr>
+      <p:grpSpPr>
+        <a:xfrm>
+          <a:off x="0" y="0"/>
+          <a:ext cx="0" cy="0"/>
+          <a:chOff x="0" y="0"/>
+          <a:chExt cx="0" cy="0"/>
+        </a:xfrm>
+      </p:grpSpPr>
+      <p:pic>
+        <p:nvPicPr>
+          <p:cNvPr id="5" name="Picture 4" descr="A close up of a fish&#10;&#10;Description automatically generated">
+            <a:extLst>
+              <a:ext uri="{FF2B5EF4-FFF2-40B4-BE49-F238E27FC236}">
+                <a16:creationId xmlns:a16="http://schemas.microsoft.com/office/drawing/2014/main" id="{241E0203-8205-E18F-333C-F35A1CD33F1B}"/>
+              </a:ext>
+            </a:extLst>
+          </p:cNvPr>
+          <p:cNvPicPr>
+            <a:picLocks noChangeAspect="1"/>
+          </p:cNvPicPr>
+          <p:nvPr/>
+        </p:nvPicPr>
+        <p:blipFill>
+          <a:blip r:embed="rId2">
+            <a:biLevel thresh="75000"/>
+            <a:extLst>
+              <a:ext uri="{BEBA8EAE-BF5A-486C-A8C5-ECC9F3942E4B}">
+                <a14:imgProps xmlns:a14="http://schemas.microsoft.com/office/drawing/2010/main">
+                  <a14:imgLayer r:embed="rId3">
+                    <a14:imgEffect>
+                      <a14:brightnessContrast bright="-40000" contrast="40000"/>
+                    </a14:imgEffect>
+                  </a14:imgLayer>
+                </a14:imgProps>
+              </a:ext>
+              <a:ext uri="{28A0092B-C50C-407E-A947-70E740481C1C}">
+                <a14:useLocalDpi xmlns:a14="http://schemas.microsoft.com/office/drawing/2010/main" val="0"/>
+              </a:ext>
+            </a:extLst>
+          </a:blip>
+          <a:stretch>
+            <a:fillRect/>
+          </a:stretch>
+        </p:blipFill>
+        <p:spPr>
+          <a:xfrm>
+            <a:off x="2196123" y="1188794"/>
+            <a:ext cx="7799754" cy="2518262"/>
+          </a:xfrm>
+          <a:prstGeom prst="rect">
+            <a:avLst/>
+          </a:prstGeom>
+        </p:spPr>
+      </p:pic>
+    </p:spTree>
+    <p:extLst>
+      <p:ext uri="{BB962C8B-B14F-4D97-AF65-F5344CB8AC3E}">
+        <p14:creationId xmlns:p14="http://schemas.microsoft.com/office/powerpoint/2010/main" val="3676634563"/>
+      </p:ext>
+    </p:extLst>
+  </p:cSld>
+  <p:clrMapOvr>
+    <a:masterClrMapping/>
+  </p:clrMapOvr>
+</p:sld>
+</file>
+
 <file path=ppt/slides/slide3.xml><?xml version="1.0" encoding="utf-8"?>
 <p:sld xmlns:a="http://schemas.openxmlformats.org/drawingml/2006/main" xmlns:r="http://schemas.openxmlformats.org/officeDocument/2006/relationships" xmlns:p="http://schemas.openxmlformats.org/presentationml/2006/main">
   <p:cSld>
